--- a/Documentación_General/PresentacionTFM_GEN_TEAM_00.pptx
+++ b/Documentación_General/PresentacionTFM_GEN_TEAM_00.pptx
@@ -21665,8 +21665,8 @@
         </p:nvSpPr>
         <p:spPr>
           <a:xfrm>
-            <a:off x="2143478" y="489388"/>
-            <a:ext cx="5337717" cy="369332"/>
+            <a:off x="1219462" y="489388"/>
+            <a:ext cx="7185751" cy="369332"/>
           </a:xfrm>
           <a:prstGeom prst="rect">
             <a:avLst/>
@@ -21688,13 +21688,19 @@
                   </a:schemeClr>
                 </a:solidFill>
               </a:rPr>
-              <a:t>DASHBOARD DE VENTAS Y RENTABILIDAD</a:t>
+              <a:t>DASHBOARD DE VENTAS Y RENTABILIDAD </a:t>
+            </a:r>
+            <a:r>
+              <a:rPr lang="es-ES" sz="1800" b="1" dirty="0">
+                <a:solidFill>
+                  <a:srgbClr val="FF0000"/>
+                </a:solidFill>
+              </a:rPr>
+              <a:t>(para discutir)</a:t>
             </a:r>
             <a:endParaRPr lang="en-GB" sz="1800" b="1" dirty="0">
               <a:solidFill>
-                <a:schemeClr val="accent4">
-                  <a:lumMod val="75000"/>
-                </a:schemeClr>
+                <a:srgbClr val="FF0000"/>
               </a:solidFill>
             </a:endParaRPr>
           </a:p>
